--- a/take-home-slides.pptx
+++ b/take-home-slides.pptx
@@ -243,7 +243,7 @@
           <a:p>
             <a:fld id="{BCF82D4C-8F9C-CE41-A33D-EAAC3A0FCE78}" type="datetimeFigureOut">
               <a:rPr lang="en-US" smtClean="0"/>
-              <a:t>6/12/23</a:t>
+              <a:t>6/15/23</a:t>
             </a:fld>
             <a:endParaRPr lang="en-US"/>
           </a:p>
@@ -741,7 +741,7 @@
           <a:p>
             <a:fld id="{3BCFE3F0-5282-0249-939C-08DBBECAE0F5}" type="datetimeFigureOut">
               <a:rPr lang="en-US" smtClean="0"/>
-              <a:t>6/12/23</a:t>
+              <a:t>6/15/23</a:t>
             </a:fld>
             <a:endParaRPr lang="en-US"/>
           </a:p>
@@ -939,7 +939,7 @@
           <a:p>
             <a:fld id="{3BCFE3F0-5282-0249-939C-08DBBECAE0F5}" type="datetimeFigureOut">
               <a:rPr lang="en-US" smtClean="0"/>
-              <a:t>6/12/23</a:t>
+              <a:t>6/15/23</a:t>
             </a:fld>
             <a:endParaRPr lang="en-US"/>
           </a:p>
@@ -1147,7 +1147,7 @@
           <a:p>
             <a:fld id="{3BCFE3F0-5282-0249-939C-08DBBECAE0F5}" type="datetimeFigureOut">
               <a:rPr lang="en-US" smtClean="0"/>
-              <a:t>6/12/23</a:t>
+              <a:t>6/15/23</a:t>
             </a:fld>
             <a:endParaRPr lang="en-US"/>
           </a:p>
@@ -1345,7 +1345,7 @@
           <a:p>
             <a:fld id="{3BCFE3F0-5282-0249-939C-08DBBECAE0F5}" type="datetimeFigureOut">
               <a:rPr lang="en-US" smtClean="0"/>
-              <a:t>6/12/23</a:t>
+              <a:t>6/15/23</a:t>
             </a:fld>
             <a:endParaRPr lang="en-US"/>
           </a:p>
@@ -1620,7 +1620,7 @@
           <a:p>
             <a:fld id="{3BCFE3F0-5282-0249-939C-08DBBECAE0F5}" type="datetimeFigureOut">
               <a:rPr lang="en-US" smtClean="0"/>
-              <a:t>6/12/23</a:t>
+              <a:t>6/15/23</a:t>
             </a:fld>
             <a:endParaRPr lang="en-US"/>
           </a:p>
@@ -1885,7 +1885,7 @@
           <a:p>
             <a:fld id="{3BCFE3F0-5282-0249-939C-08DBBECAE0F5}" type="datetimeFigureOut">
               <a:rPr lang="en-US" smtClean="0"/>
-              <a:t>6/12/23</a:t>
+              <a:t>6/15/23</a:t>
             </a:fld>
             <a:endParaRPr lang="en-US"/>
           </a:p>
@@ -2297,7 +2297,7 @@
           <a:p>
             <a:fld id="{3BCFE3F0-5282-0249-939C-08DBBECAE0F5}" type="datetimeFigureOut">
               <a:rPr lang="en-US" smtClean="0"/>
-              <a:t>6/12/23</a:t>
+              <a:t>6/15/23</a:t>
             </a:fld>
             <a:endParaRPr lang="en-US"/>
           </a:p>
@@ -2438,7 +2438,7 @@
           <a:p>
             <a:fld id="{3BCFE3F0-5282-0249-939C-08DBBECAE0F5}" type="datetimeFigureOut">
               <a:rPr lang="en-US" smtClean="0"/>
-              <a:t>6/12/23</a:t>
+              <a:t>6/15/23</a:t>
             </a:fld>
             <a:endParaRPr lang="en-US"/>
           </a:p>
@@ -2551,7 +2551,7 @@
           <a:p>
             <a:fld id="{3BCFE3F0-5282-0249-939C-08DBBECAE0F5}" type="datetimeFigureOut">
               <a:rPr lang="en-US" smtClean="0"/>
-              <a:t>6/12/23</a:t>
+              <a:t>6/15/23</a:t>
             </a:fld>
             <a:endParaRPr lang="en-US"/>
           </a:p>
@@ -2862,7 +2862,7 @@
           <a:p>
             <a:fld id="{3BCFE3F0-5282-0249-939C-08DBBECAE0F5}" type="datetimeFigureOut">
               <a:rPr lang="en-US" smtClean="0"/>
-              <a:t>6/12/23</a:t>
+              <a:t>6/15/23</a:t>
             </a:fld>
             <a:endParaRPr lang="en-US"/>
           </a:p>
@@ -3150,7 +3150,7 @@
           <a:p>
             <a:fld id="{3BCFE3F0-5282-0249-939C-08DBBECAE0F5}" type="datetimeFigureOut">
               <a:rPr lang="en-US" smtClean="0"/>
-              <a:t>6/12/23</a:t>
+              <a:t>6/15/23</a:t>
             </a:fld>
             <a:endParaRPr lang="en-US"/>
           </a:p>
@@ -3391,7 +3391,7 @@
           <a:p>
             <a:fld id="{3BCFE3F0-5282-0249-939C-08DBBECAE0F5}" type="datetimeFigureOut">
               <a:rPr lang="en-US" smtClean="0"/>
-              <a:t>6/12/23</a:t>
+              <a:t>6/15/23</a:t>
             </a:fld>
             <a:endParaRPr lang="en-US"/>
           </a:p>
@@ -4095,8 +4095,8 @@
           </a:p>
         </p:txBody>
       </p:sp>
-      <mc:AlternateContent xmlns:mc="http://schemas.openxmlformats.org/markup-compatibility/2006" xmlns:a14="http://schemas.microsoft.com/office/drawing/2010/main">
-        <mc:Choice Requires="a14">
+      <mc:AlternateContent xmlns:mc="http://schemas.openxmlformats.org/markup-compatibility/2006">
+        <mc:Choice xmlns:a14="http://schemas.microsoft.com/office/drawing/2010/main" Requires="a14">
           <p:sp>
             <p:nvSpPr>
               <p:cNvPr id="3" name="Content Placeholder 2">
@@ -4116,7 +4116,7 @@
             <p:spPr/>
             <p:txBody>
               <a:bodyPr>
-                <a:normAutofit lnSpcReduction="10000"/>
+                <a:normAutofit fontScale="92500" lnSpcReduction="10000"/>
               </a:bodyPr>
               <a:lstStyle/>
               <a:p>
@@ -4420,6 +4420,18 @@
                 </a:r>
               </a:p>
               <a:p>
+                <a:pPr lvl="1"/>
+                <a:r>
+                  <a:rPr lang="en-US" dirty="0"/>
+                  <a:t>Is this still valid to do it this way in this setting? Might </a:t>
+                </a:r>
+                <a:r>
+                  <a:rPr lang="en-US"/>
+                  <a:t>need adjustments</a:t>
+                </a:r>
+                <a:endParaRPr lang="en-US" dirty="0"/>
+              </a:p>
+              <a:p>
                 <a:endParaRPr lang="en-US" dirty="0"/>
               </a:p>
               <a:p>
@@ -4438,7 +4450,7 @@
             </p:txBody>
           </p:sp>
         </mc:Choice>
-        <mc:Fallback xmlns="">
+        <mc:Fallback>
           <p:sp>
             <p:nvSpPr>
               <p:cNvPr id="3" name="Content Placeholder 2">
@@ -4459,7 +4471,7 @@
               <a:blipFill>
                 <a:blip r:embed="rId2"/>
                 <a:stretch>
-                  <a:fillRect l="-1086" t="-3198" r="-724" b="-1163"/>
+                  <a:fillRect l="-965" t="-2616" r="-1086" b="-2326"/>
                 </a:stretch>
               </a:blipFill>
             </p:spPr>
